--- a/arraysnew.pptx
+++ b/arraysnew.pptx
@@ -16,10 +16,11 @@
     <p:sldId id="261" r:id="rId10"/>
     <p:sldId id="263" r:id="rId11"/>
     <p:sldId id="264" r:id="rId12"/>
-    <p:sldId id="270" r:id="rId13"/>
-    <p:sldId id="265" r:id="rId14"/>
-    <p:sldId id="266" r:id="rId15"/>
-    <p:sldId id="267" r:id="rId16"/>
+    <p:sldId id="271" r:id="rId13"/>
+    <p:sldId id="270" r:id="rId14"/>
+    <p:sldId id="265" r:id="rId15"/>
+    <p:sldId id="266" r:id="rId16"/>
+    <p:sldId id="267" r:id="rId17"/>
   </p:sldIdLst>
   <p:sldSz cx="12192000" cy="6858000"/>
   <p:notesSz cx="6858000" cy="9144000"/>
@@ -8090,6 +8091,77 @@
           <a:chExt cx="0" cy="0"/>
         </a:xfrm>
       </p:grpSpPr>
+      <p:pic>
+        <p:nvPicPr>
+          <p:cNvPr id="2050" name="Picture 2" descr="Image result for music box concert hall seating chart"/>
+          <p:cNvPicPr>
+            <a:picLocks noChangeAspect="1" noChangeArrowheads="1"/>
+          </p:cNvPicPr>
+          <p:nvPr/>
+        </p:nvPicPr>
+        <p:blipFill>
+          <a:blip r:embed="rId2">
+            <a:extLst>
+              <a:ext uri="{28A0092B-C50C-407E-A947-70E740481C1C}">
+                <a14:useLocalDpi xmlns:a14="http://schemas.microsoft.com/office/drawing/2010/main" val="0"/>
+              </a:ext>
+            </a:extLst>
+          </a:blip>
+          <a:srcRect/>
+          <a:stretch>
+            <a:fillRect/>
+          </a:stretch>
+        </p:blipFill>
+        <p:spPr bwMode="auto">
+          <a:xfrm>
+            <a:off x="2431227" y="1032734"/>
+            <a:ext cx="7175351" cy="4840943"/>
+          </a:xfrm>
+          <a:prstGeom prst="rect">
+            <a:avLst/>
+          </a:prstGeom>
+          <a:noFill/>
+          <a:extLst>
+            <a:ext uri="{909E8E84-426E-40DD-AFC4-6F175D3DCCD1}">
+              <a14:hiddenFill xmlns:a14="http://schemas.microsoft.com/office/drawing/2010/main">
+                <a:solidFill>
+                  <a:srgbClr val="FFFFFF"/>
+                </a:solidFill>
+              </a14:hiddenFill>
+            </a:ext>
+          </a:extLst>
+        </p:spPr>
+      </p:pic>
+    </p:spTree>
+    <p:extLst>
+      <p:ext uri="{BB962C8B-B14F-4D97-AF65-F5344CB8AC3E}">
+        <p14:creationId xmlns:p14="http://schemas.microsoft.com/office/powerpoint/2010/main" val="2779842951"/>
+      </p:ext>
+    </p:extLst>
+  </p:cSld>
+  <p:clrMapOvr>
+    <a:masterClrMapping/>
+  </p:clrMapOvr>
+</p:sld>
+</file>
+
+<file path=ppt/slides/slide13.xml><?xml version="1.0" encoding="utf-8"?>
+<p:sld xmlns:a="http://schemas.openxmlformats.org/drawingml/2006/main" xmlns:r="http://schemas.openxmlformats.org/officeDocument/2006/relationships" xmlns:p="http://schemas.openxmlformats.org/presentationml/2006/main">
+  <p:cSld>
+    <p:spTree>
+      <p:nvGrpSpPr>
+        <p:cNvPr id="1" name=""/>
+        <p:cNvGrpSpPr/>
+        <p:nvPr/>
+      </p:nvGrpSpPr>
+      <p:grpSpPr>
+        <a:xfrm>
+          <a:off x="0" y="0"/>
+          <a:ext cx="0" cy="0"/>
+          <a:chOff x="0" y="0"/>
+          <a:chExt cx="0" cy="0"/>
+        </a:xfrm>
+      </p:grpSpPr>
       <p:sp>
         <p:nvSpPr>
           <p:cNvPr id="2" name="Title 1"/>
@@ -8442,7 +8514,7 @@
 </p:sld>
 </file>
 
-<file path=ppt/slides/slide13.xml><?xml version="1.0" encoding="utf-8"?>
+<file path=ppt/slides/slide14.xml><?xml version="1.0" encoding="utf-8"?>
 <p:sld xmlns:a="http://schemas.openxmlformats.org/drawingml/2006/main" xmlns:r="http://schemas.openxmlformats.org/officeDocument/2006/relationships" xmlns:p="http://schemas.openxmlformats.org/presentationml/2006/main">
   <p:cSld>
     <p:spTree>
@@ -8522,13 +8594,27 @@
                 <a:latin typeface="Times New Roman" pitchFamily="18" charset="0"/>
                 <a:cs typeface="Times New Roman" pitchFamily="18" charset="0"/>
               </a:rPr>
-              <a:t>When you clone a single dimensional array, such as Object[], a “deep copy” is performed with the new array containing copies of the original array’s elements as opposed to references</a:t>
+              <a:t>When you clone a single dimensional array, such as Object</a:t>
             </a:r>
             <a:r>
               <a:rPr lang="en-IN" sz="2400" dirty="0" smtClean="0">
                 <a:latin typeface="Times New Roman" pitchFamily="18" charset="0"/>
                 <a:cs typeface="Times New Roman" pitchFamily="18" charset="0"/>
               </a:rPr>
+              <a:t>[], it is </a:t>
+            </a:r>
+            <a:r>
+              <a:rPr lang="en-IN" sz="2400" dirty="0">
+                <a:latin typeface="Times New Roman" pitchFamily="18" charset="0"/>
+                <a:cs typeface="Times New Roman" pitchFamily="18" charset="0"/>
+              </a:rPr>
+              <a:t>a “deep copy” </a:t>
+            </a:r>
+            <a:r>
+              <a:rPr lang="en-IN" sz="2400" dirty="0" smtClean="0">
+                <a:latin typeface="Times New Roman" pitchFamily="18" charset="0"/>
+                <a:cs typeface="Times New Roman" pitchFamily="18" charset="0"/>
+              </a:rPr>
               <a:t>.</a:t>
             </a:r>
           </a:p>
@@ -8538,7 +8624,14 @@
                 <a:latin typeface="Times New Roman" pitchFamily="18" charset="0"/>
                 <a:cs typeface="Times New Roman" pitchFamily="18" charset="0"/>
               </a:rPr>
-              <a:t>It is done by using the function clone().</a:t>
+              <a:t>It </a:t>
+            </a:r>
+            <a:r>
+              <a:rPr lang="en-IN" sz="2400" dirty="0" smtClean="0">
+                <a:latin typeface="Times New Roman" pitchFamily="18" charset="0"/>
+                <a:cs typeface="Times New Roman" pitchFamily="18" charset="0"/>
+              </a:rPr>
+              <a:t>is done by using the function clone().</a:t>
             </a:r>
           </a:p>
           <a:p>
@@ -8623,7 +8716,7 @@
 </p:sld>
 </file>
 
-<file path=ppt/slides/slide14.xml><?xml version="1.0" encoding="utf-8"?>
+<file path=ppt/slides/slide15.xml><?xml version="1.0" encoding="utf-8"?>
 <p:sld xmlns:a="http://schemas.openxmlformats.org/drawingml/2006/main" xmlns:r="http://schemas.openxmlformats.org/officeDocument/2006/relationships" xmlns:p="http://schemas.openxmlformats.org/presentationml/2006/main">
   <p:cSld>
     <p:spTree>
@@ -8686,46 +8779,18 @@
                 <a:latin typeface="Times New Roman" pitchFamily="18" charset="0"/>
                 <a:cs typeface="Times New Roman" pitchFamily="18" charset="0"/>
               </a:rPr>
-              <a:t>A clone of a multidimensional array (like Object[][]) is a “shallow copy” however, which is to say that it creates only a single new array with each element array </a:t>
+              <a:t>A clone of a multidimensional array (like Object[][]) is a “shallow copy” </a:t>
             </a:r>
             <a:r>
               <a:rPr lang="en-IN" sz="2400" dirty="0" smtClean="0">
                 <a:latin typeface="Times New Roman" pitchFamily="18" charset="0"/>
                 <a:cs typeface="Times New Roman" pitchFamily="18" charset="0"/>
               </a:rPr>
-              <a:t> </a:t>
-            </a:r>
-            <a:r>
-              <a:rPr lang="en-IN" sz="2400" dirty="0">
-                <a:latin typeface="Times New Roman" pitchFamily="18" charset="0"/>
-                <a:cs typeface="Times New Roman" pitchFamily="18" charset="0"/>
-              </a:rPr>
-              <a:t>reference to an original element array but </a:t>
-            </a:r>
-            <a:r>
-              <a:rPr lang="en-IN" sz="2400" dirty="0" smtClean="0">
-                <a:latin typeface="Times New Roman" pitchFamily="18" charset="0"/>
-                <a:cs typeface="Times New Roman" pitchFamily="18" charset="0"/>
-              </a:rPr>
-              <a:t>sub arrays </a:t>
-            </a:r>
-            <a:r>
-              <a:rPr lang="en-IN" sz="2400" dirty="0">
-                <a:latin typeface="Times New Roman" pitchFamily="18" charset="0"/>
-                <a:cs typeface="Times New Roman" pitchFamily="18" charset="0"/>
-              </a:rPr>
-              <a:t>are shared</a:t>
-            </a:r>
-            <a:r>
-              <a:rPr lang="en-IN" sz="2400" dirty="0" smtClean="0">
-                <a:latin typeface="Times New Roman" pitchFamily="18" charset="0"/>
-                <a:cs typeface="Times New Roman" pitchFamily="18" charset="0"/>
-              </a:rPr>
               <a:t>.</a:t>
             </a:r>
           </a:p>
           <a:p>
-            <a:pPr marL="0" indent="0" fontAlgn="base">
+            <a:pPr marL="0" indent="0">
               <a:buNone/>
             </a:pPr>
             <a:r>
@@ -8786,7 +8851,7 @@
         </p:blipFill>
         <p:spPr>
           <a:xfrm>
-            <a:off x="3974122" y="3716214"/>
+            <a:off x="3328663" y="3177763"/>
             <a:ext cx="5593195" cy="2836985"/>
           </a:xfrm>
           <a:prstGeom prst="rect">
@@ -8814,7 +8879,7 @@
 </p:sld>
 </file>
 
-<file path=ppt/slides/slide15.xml><?xml version="1.0" encoding="utf-8"?>
+<file path=ppt/slides/slide16.xml><?xml version="1.0" encoding="utf-8"?>
 <p:sld xmlns:a="http://schemas.openxmlformats.org/drawingml/2006/main" xmlns:r="http://schemas.openxmlformats.org/officeDocument/2006/relationships" xmlns:p="http://schemas.openxmlformats.org/presentationml/2006/main">
   <p:cSld>
     <p:spTree>
@@ -9194,8 +9259,20 @@
                 <a:latin typeface="Times New Roman" pitchFamily="18" charset="0"/>
                 <a:cs typeface="Times New Roman" pitchFamily="18" charset="0"/>
               </a:rPr>
-              <a:t>Multi-dimensional array</a:t>
-            </a:r>
+              <a:t>Multi-dimensional </a:t>
+            </a:r>
+            <a:r>
+              <a:rPr lang="en-IN" sz="2800" dirty="0" smtClean="0">
+                <a:latin typeface="Times New Roman" pitchFamily="18" charset="0"/>
+                <a:cs typeface="Times New Roman" pitchFamily="18" charset="0"/>
+              </a:rPr>
+              <a:t>array</a:t>
+            </a:r>
+          </a:p>
+          <a:p>
+            <a:pPr marL="0" indent="0">
+              <a:buNone/>
+            </a:pPr>
             <a:endParaRPr lang="en-IN" sz="2800" dirty="0">
               <a:latin typeface="Times New Roman" pitchFamily="18" charset="0"/>
               <a:cs typeface="Times New Roman" pitchFamily="18" charset="0"/>
@@ -9203,6 +9280,30 @@
           </a:p>
         </p:txBody>
       </p:sp>
+      <p:pic>
+        <p:nvPicPr>
+          <p:cNvPr id="5" name="Picture 4"/>
+          <p:cNvPicPr>
+            <a:picLocks noChangeAspect="1"/>
+          </p:cNvPicPr>
+          <p:nvPr/>
+        </p:nvPicPr>
+        <p:blipFill>
+          <a:blip r:embed="rId2"/>
+          <a:stretch>
+            <a:fillRect/>
+          </a:stretch>
+        </p:blipFill>
+        <p:spPr>
+          <a:xfrm>
+            <a:off x="7657595" y="3289823"/>
+            <a:ext cx="2105025" cy="2171700"/>
+          </a:xfrm>
+          <a:prstGeom prst="rect">
+            <a:avLst/>
+          </a:prstGeom>
+        </p:spPr>
+      </p:pic>
     </p:spTree>
     <p:extLst>
       <p:ext uri="{BB962C8B-B14F-4D97-AF65-F5344CB8AC3E}">
@@ -9570,42 +9671,75 @@
             </a:r>
           </a:p>
           <a:p>
-            <a:pPr marL="457200" indent="-457200">
+            <a:pPr marL="0" indent="0">
               <a:lnSpc>
                 <a:spcPct val="110000"/>
               </a:lnSpc>
-              <a:buFont typeface="+mj-lt"/>
-              <a:buAutoNum type="arabicPeriod"/>
+              <a:buNone/>
             </a:pPr>
             <a:r>
               <a:rPr lang="en-IN" sz="2400" dirty="0">
                 <a:latin typeface="Times New Roman" pitchFamily="18" charset="0"/>
                 <a:cs typeface="Times New Roman" pitchFamily="18" charset="0"/>
               </a:rPr>
-              <a:t>  type var-name[];</a:t>
-            </a:r>
-          </a:p>
-          <a:p>
-            <a:pPr marL="457200" indent="-457200">
+              <a:t> </a:t>
+            </a:r>
+            <a:r>
+              <a:rPr lang="en-IN" sz="2400" dirty="0" smtClean="0">
+                <a:latin typeface="Times New Roman" pitchFamily="18" charset="0"/>
+                <a:cs typeface="Times New Roman" pitchFamily="18" charset="0"/>
+              </a:rPr>
+              <a:t>             </a:t>
+            </a:r>
+            <a:r>
+              <a:rPr lang="en-IN" sz="2400" dirty="0" smtClean="0">
+                <a:latin typeface="Times New Roman" pitchFamily="18" charset="0"/>
+                <a:cs typeface="Times New Roman" pitchFamily="18" charset="0"/>
+              </a:rPr>
+              <a:t> </a:t>
+            </a:r>
+            <a:r>
+              <a:rPr lang="en-IN" sz="2400" dirty="0">
+                <a:latin typeface="Times New Roman" pitchFamily="18" charset="0"/>
+                <a:cs typeface="Times New Roman" pitchFamily="18" charset="0"/>
+              </a:rPr>
+              <a:t>type var-name[];</a:t>
+            </a:r>
+          </a:p>
+          <a:p>
+            <a:pPr marL="0" indent="0">
               <a:lnSpc>
                 <a:spcPct val="110000"/>
               </a:lnSpc>
-              <a:buFont typeface="+mj-lt"/>
-              <a:buAutoNum type="arabicPeriod"/>
+              <a:buNone/>
             </a:pPr>
             <a:r>
               <a:rPr lang="en-IN" sz="2400" dirty="0" smtClean="0">
                 <a:latin typeface="Times New Roman" pitchFamily="18" charset="0"/>
                 <a:cs typeface="Times New Roman" pitchFamily="18" charset="0"/>
               </a:rPr>
-              <a:t>type</a:t>
+              <a:t>               type</a:t>
             </a:r>
             <a:r>
               <a:rPr lang="en-IN" sz="2400" dirty="0">
                 <a:latin typeface="Times New Roman" pitchFamily="18" charset="0"/>
                 <a:cs typeface="Times New Roman" pitchFamily="18" charset="0"/>
               </a:rPr>
-              <a:t>[] var-name</a:t>
+              <a:t>[] </a:t>
+            </a:r>
+            <a:r>
+              <a:rPr lang="en-IN" sz="2400" dirty="0" err="1">
+                <a:latin typeface="Times New Roman" pitchFamily="18" charset="0"/>
+                <a:cs typeface="Times New Roman" pitchFamily="18" charset="0"/>
+              </a:rPr>
+              <a:t>var</a:t>
+            </a:r>
+            <a:r>
+              <a:rPr lang="en-IN" sz="2400" dirty="0">
+                <a:latin typeface="Times New Roman" pitchFamily="18" charset="0"/>
+                <a:cs typeface="Times New Roman" pitchFamily="18" charset="0"/>
+              </a:rPr>
+              <a:t>-name</a:t>
             </a:r>
             <a:r>
               <a:rPr lang="en-IN" sz="2400" dirty="0" smtClean="0">
@@ -9621,88 +9755,10 @@
                 <a:spcPct val="110000"/>
               </a:lnSpc>
             </a:pPr>
-            <a:r>
-              <a:rPr lang="en-IN" sz="2400" dirty="0">
-                <a:latin typeface="Times New Roman" pitchFamily="18" charset="0"/>
-                <a:cs typeface="Times New Roman" pitchFamily="18" charset="0"/>
-              </a:rPr>
-              <a:t>T</a:t>
-            </a:r>
-            <a:r>
-              <a:rPr lang="en-IN" sz="2400" dirty="0" smtClean="0">
-                <a:latin typeface="Times New Roman" pitchFamily="18" charset="0"/>
-                <a:cs typeface="Times New Roman" pitchFamily="18" charset="0"/>
-              </a:rPr>
-              <a:t>ype </a:t>
-            </a:r>
-            <a:r>
-              <a:rPr lang="en-IN" sz="2400" dirty="0">
-                <a:latin typeface="Times New Roman" pitchFamily="18" charset="0"/>
-                <a:cs typeface="Times New Roman" pitchFamily="18" charset="0"/>
-              </a:rPr>
-              <a:t>determines the data type of each element that comprises the array</a:t>
-            </a:r>
-            <a:r>
-              <a:rPr lang="en-IN" sz="2400" dirty="0" smtClean="0">
-                <a:latin typeface="Times New Roman" pitchFamily="18" charset="0"/>
-                <a:cs typeface="Times New Roman" pitchFamily="18" charset="0"/>
-              </a:rPr>
-              <a:t>.</a:t>
-            </a:r>
-          </a:p>
-          <a:p>
-            <a:pPr marL="0" indent="0">
-              <a:lnSpc>
-                <a:spcPct val="110000"/>
-              </a:lnSpc>
-              <a:buNone/>
-            </a:pPr>
-            <a:r>
-              <a:rPr lang="en-IN" sz="2400" dirty="0" smtClean="0">
-                <a:latin typeface="Times New Roman" pitchFamily="18" charset="0"/>
-                <a:cs typeface="Times New Roman" pitchFamily="18" charset="0"/>
-              </a:rPr>
-              <a:t>   E.g.    int </a:t>
-            </a:r>
-            <a:r>
-              <a:rPr lang="en-IN" sz="2400" dirty="0">
-                <a:latin typeface="Times New Roman" pitchFamily="18" charset="0"/>
-                <a:cs typeface="Times New Roman" pitchFamily="18" charset="0"/>
-              </a:rPr>
-              <a:t>intArray[];</a:t>
-            </a:r>
             <a:endParaRPr lang="en-IN" sz="2400" dirty="0" smtClean="0">
               <a:latin typeface="Times New Roman" pitchFamily="18" charset="0"/>
               <a:cs typeface="Times New Roman" pitchFamily="18" charset="0"/>
             </a:endParaRPr>
-          </a:p>
-          <a:p>
-            <a:pPr>
-              <a:lnSpc>
-                <a:spcPct val="110000"/>
-              </a:lnSpc>
-            </a:pPr>
-            <a:r>
-              <a:rPr lang="en-IN" sz="2400" dirty="0" smtClean="0">
-                <a:latin typeface="Times New Roman" pitchFamily="18" charset="0"/>
-                <a:cs typeface="Times New Roman" pitchFamily="18" charset="0"/>
-              </a:rPr>
-              <a:t>But no actual array exits here.</a:t>
-            </a:r>
-          </a:p>
-          <a:p>
-            <a:pPr>
-              <a:lnSpc>
-                <a:spcPct val="110000"/>
-              </a:lnSpc>
-            </a:pPr>
-            <a:r>
-              <a:rPr lang="en-IN" sz="2400" dirty="0" smtClean="0">
-                <a:latin typeface="Times New Roman" pitchFamily="18" charset="0"/>
-                <a:cs typeface="Times New Roman" pitchFamily="18" charset="0"/>
-              </a:rPr>
-              <a:t>It just tells the compiler that the variable will hold an array of integer type.</a:t>
-            </a:r>
           </a:p>
           <a:p>
             <a:pPr>
@@ -10045,12 +10101,22 @@
             </a:endParaRPr>
           </a:p>
           <a:p>
+            <a:pPr marL="0" indent="0">
+              <a:buNone/>
+            </a:pPr>
             <a:r>
               <a:rPr lang="en-IN" sz="2400" dirty="0" smtClean="0">
                 <a:latin typeface="Times New Roman" pitchFamily="18" charset="0"/>
                 <a:cs typeface="Times New Roman" pitchFamily="18" charset="0"/>
               </a:rPr>
-              <a:t>Index starts from 0 to (array size -1).</a:t>
+              <a:t>     E.g</a:t>
+            </a:r>
+            <a:r>
+              <a:rPr lang="en-IN" sz="2400" dirty="0">
+                <a:latin typeface="Times New Roman" pitchFamily="18" charset="0"/>
+                <a:cs typeface="Times New Roman" pitchFamily="18" charset="0"/>
+              </a:rPr>
+              <a:t>. String[] cars = {"Volvo", "BMW", "Ford", "Mazda"};</a:t>
             </a:r>
           </a:p>
           <a:p>
@@ -10058,43 +10124,47 @@
               <a:buNone/>
             </a:pPr>
             <a:r>
+              <a:rPr lang="en-IN" sz="2400" dirty="0" smtClean="0">
+                <a:latin typeface="Times New Roman" pitchFamily="18" charset="0"/>
+                <a:cs typeface="Times New Roman" pitchFamily="18" charset="0"/>
+              </a:rPr>
+              <a:t>             System.out.println(cars[0]);   </a:t>
+            </a:r>
+          </a:p>
+          <a:p>
+            <a:pPr marL="0" indent="0">
+              <a:buNone/>
+            </a:pPr>
+            <a:r>
               <a:rPr lang="en-IN" sz="2400" dirty="0">
                 <a:latin typeface="Times New Roman" pitchFamily="18" charset="0"/>
                 <a:cs typeface="Times New Roman" pitchFamily="18" charset="0"/>
               </a:rPr>
-              <a:t>     E.g. String[] cars = {"Volvo", "BMW", "Ford", "Mazda"};</a:t>
+              <a:t> </a:t>
+            </a:r>
+            <a:r>
+              <a:rPr lang="en-IN" sz="2400" dirty="0" smtClean="0">
+                <a:latin typeface="Times New Roman" pitchFamily="18" charset="0"/>
+                <a:cs typeface="Times New Roman" pitchFamily="18" charset="0"/>
+              </a:rPr>
+              <a:t>           //Output is </a:t>
+            </a:r>
+            <a:r>
+              <a:rPr lang="en-IN" sz="2400" dirty="0" smtClean="0">
+                <a:latin typeface="Times New Roman" pitchFamily="18" charset="0"/>
+                <a:cs typeface="Times New Roman" pitchFamily="18" charset="0"/>
+              </a:rPr>
+              <a:t>Volvo</a:t>
             </a:r>
           </a:p>
           <a:p>
             <a:pPr marL="0" indent="0">
               <a:buNone/>
             </a:pPr>
-            <a:r>
-              <a:rPr lang="en-IN" sz="2400" dirty="0" smtClean="0">
-                <a:latin typeface="Times New Roman" pitchFamily="18" charset="0"/>
-                <a:cs typeface="Times New Roman" pitchFamily="18" charset="0"/>
-              </a:rPr>
-              <a:t>             System.out.println(cars[0]);   </a:t>
-            </a:r>
-          </a:p>
-          <a:p>
-            <a:pPr marL="0" indent="0">
-              <a:buNone/>
-            </a:pPr>
-            <a:r>
-              <a:rPr lang="en-IN" sz="2400" dirty="0">
-                <a:latin typeface="Times New Roman" pitchFamily="18" charset="0"/>
-                <a:cs typeface="Times New Roman" pitchFamily="18" charset="0"/>
-              </a:rPr>
-              <a:t> </a:t>
-            </a:r>
-            <a:r>
-              <a:rPr lang="en-IN" sz="2400" dirty="0" smtClean="0">
-                <a:latin typeface="Times New Roman" pitchFamily="18" charset="0"/>
-                <a:cs typeface="Times New Roman" pitchFamily="18" charset="0"/>
-              </a:rPr>
-              <a:t>           //Output is Volvo</a:t>
-            </a:r>
+            <a:endParaRPr lang="en-IN" sz="2400" dirty="0" smtClean="0">
+              <a:latin typeface="Times New Roman" pitchFamily="18" charset="0"/>
+              <a:cs typeface="Times New Roman" pitchFamily="18" charset="0"/>
+            </a:endParaRPr>
           </a:p>
           <a:p>
             <a:r>
@@ -10623,6 +10693,19 @@
               </a:rPr>
               <a:t>];   </a:t>
             </a:r>
+            <a:endParaRPr lang="en-IN" sz="2400" dirty="0" smtClean="0">
+              <a:latin typeface="Times New Roman" pitchFamily="18" charset="0"/>
+              <a:cs typeface="Times New Roman" pitchFamily="18" charset="0"/>
+            </a:endParaRPr>
+          </a:p>
+          <a:p>
+            <a:pPr marL="0" indent="0">
+              <a:buNone/>
+            </a:pPr>
+            <a:endParaRPr lang="en-IN" sz="2400" dirty="0" smtClean="0">
+              <a:latin typeface="Times New Roman" pitchFamily="18" charset="0"/>
+              <a:cs typeface="Times New Roman" pitchFamily="18" charset="0"/>
+            </a:endParaRPr>
           </a:p>
           <a:p>
             <a:r>
@@ -10637,15 +10720,19 @@
                 <a:latin typeface="Times New Roman" pitchFamily="18" charset="0"/>
                 <a:cs typeface="Times New Roman" pitchFamily="18" charset="0"/>
               </a:rPr>
-              <a:t>Student objects have to be instantiated using the constructor of the Student class and their references should be assigned to the array elements in the following way.</a:t>
+              <a:t>Student objects have to be instantiated using the </a:t>
             </a:r>
             <a:r>
               <a:rPr lang="en-IN" sz="2400" dirty="0" smtClean="0">
                 <a:latin typeface="Times New Roman" pitchFamily="18" charset="0"/>
                 <a:cs typeface="Times New Roman" pitchFamily="18" charset="0"/>
               </a:rPr>
-              <a:t>         </a:t>
-            </a:r>
+              <a:t>constructor.</a:t>
+            </a:r>
+            <a:endParaRPr lang="en-IN" sz="2400" dirty="0" smtClean="0">
+              <a:latin typeface="Times New Roman" pitchFamily="18" charset="0"/>
+              <a:cs typeface="Times New Roman" pitchFamily="18" charset="0"/>
+            </a:endParaRPr>
           </a:p>
           <a:p>
             <a:pPr marL="0" indent="0">
